--- a/設計/画面遷移設計.pptx
+++ b/設計/画面遷移設計.pptx
@@ -112,6 +112,11 @@
       </a:defRPr>
     </a:lvl9pPr>
   </p:defaultTextStyle>
+  <p:extLst>
+    <p:ext uri="{EFAFB233-063F-42B5-8137-9DF3F51BA10A}">
+      <p15:sldGuideLst xmlns:p15="http://schemas.microsoft.com/office/powerpoint/2012/main"/>
+    </p:ext>
+  </p:extLst>
 </p:presentation>
 </file>
 
@@ -262,7 +267,7 @@
           <a:p>
             <a:fld id="{16A04C2B-CE5F-4C43-8666-0A319EAE7E37}" type="datetimeFigureOut">
               <a:rPr kumimoji="1" lang="ja-JP" altLang="en-US" smtClean="0"/>
-              <a:t>2024/2/1</a:t>
+              <a:t>2024/2/26</a:t>
             </a:fld>
             <a:endParaRPr kumimoji="1" lang="ja-JP" altLang="en-US"/>
           </a:p>
@@ -492,7 +497,7 @@
           <a:p>
             <a:fld id="{16A04C2B-CE5F-4C43-8666-0A319EAE7E37}" type="datetimeFigureOut">
               <a:rPr kumimoji="1" lang="ja-JP" altLang="en-US" smtClean="0"/>
-              <a:t>2024/2/1</a:t>
+              <a:t>2024/2/26</a:t>
             </a:fld>
             <a:endParaRPr kumimoji="1" lang="ja-JP" altLang="en-US"/>
           </a:p>
@@ -732,7 +737,7 @@
           <a:p>
             <a:fld id="{16A04C2B-CE5F-4C43-8666-0A319EAE7E37}" type="datetimeFigureOut">
               <a:rPr kumimoji="1" lang="ja-JP" altLang="en-US" smtClean="0"/>
-              <a:t>2024/2/1</a:t>
+              <a:t>2024/2/26</a:t>
             </a:fld>
             <a:endParaRPr kumimoji="1" lang="ja-JP" altLang="en-US"/>
           </a:p>
@@ -962,7 +967,7 @@
           <a:p>
             <a:fld id="{16A04C2B-CE5F-4C43-8666-0A319EAE7E37}" type="datetimeFigureOut">
               <a:rPr kumimoji="1" lang="ja-JP" altLang="en-US" smtClean="0"/>
-              <a:t>2024/2/1</a:t>
+              <a:t>2024/2/26</a:t>
             </a:fld>
             <a:endParaRPr kumimoji="1" lang="ja-JP" altLang="en-US"/>
           </a:p>
@@ -1237,7 +1242,7 @@
           <a:p>
             <a:fld id="{16A04C2B-CE5F-4C43-8666-0A319EAE7E37}" type="datetimeFigureOut">
               <a:rPr kumimoji="1" lang="ja-JP" altLang="en-US" smtClean="0"/>
-              <a:t>2024/2/1</a:t>
+              <a:t>2024/2/26</a:t>
             </a:fld>
             <a:endParaRPr kumimoji="1" lang="ja-JP" altLang="en-US"/>
           </a:p>
@@ -1566,7 +1571,7 @@
           <a:p>
             <a:fld id="{16A04C2B-CE5F-4C43-8666-0A319EAE7E37}" type="datetimeFigureOut">
               <a:rPr kumimoji="1" lang="ja-JP" altLang="en-US" smtClean="0"/>
-              <a:t>2024/2/1</a:t>
+              <a:t>2024/2/26</a:t>
             </a:fld>
             <a:endParaRPr kumimoji="1" lang="ja-JP" altLang="en-US"/>
           </a:p>
@@ -2042,7 +2047,7 @@
           <a:p>
             <a:fld id="{16A04C2B-CE5F-4C43-8666-0A319EAE7E37}" type="datetimeFigureOut">
               <a:rPr kumimoji="1" lang="ja-JP" altLang="en-US" smtClean="0"/>
-              <a:t>2024/2/1</a:t>
+              <a:t>2024/2/26</a:t>
             </a:fld>
             <a:endParaRPr kumimoji="1" lang="ja-JP" altLang="en-US"/>
           </a:p>
@@ -2183,7 +2188,7 @@
           <a:p>
             <a:fld id="{16A04C2B-CE5F-4C43-8666-0A319EAE7E37}" type="datetimeFigureOut">
               <a:rPr kumimoji="1" lang="ja-JP" altLang="en-US" smtClean="0"/>
-              <a:t>2024/2/1</a:t>
+              <a:t>2024/2/26</a:t>
             </a:fld>
             <a:endParaRPr kumimoji="1" lang="ja-JP" altLang="en-US"/>
           </a:p>
@@ -2296,7 +2301,7 @@
           <a:p>
             <a:fld id="{16A04C2B-CE5F-4C43-8666-0A319EAE7E37}" type="datetimeFigureOut">
               <a:rPr kumimoji="1" lang="ja-JP" altLang="en-US" smtClean="0"/>
-              <a:t>2024/2/1</a:t>
+              <a:t>2024/2/26</a:t>
             </a:fld>
             <a:endParaRPr kumimoji="1" lang="ja-JP" altLang="en-US"/>
           </a:p>
@@ -2639,7 +2644,7 @@
           <a:p>
             <a:fld id="{16A04C2B-CE5F-4C43-8666-0A319EAE7E37}" type="datetimeFigureOut">
               <a:rPr kumimoji="1" lang="ja-JP" altLang="en-US" smtClean="0"/>
-              <a:t>2024/2/1</a:t>
+              <a:t>2024/2/26</a:t>
             </a:fld>
             <a:endParaRPr kumimoji="1" lang="ja-JP" altLang="en-US"/>
           </a:p>
@@ -2927,7 +2932,7 @@
           <a:p>
             <a:fld id="{16A04C2B-CE5F-4C43-8666-0A319EAE7E37}" type="datetimeFigureOut">
               <a:rPr kumimoji="1" lang="ja-JP" altLang="en-US" smtClean="0"/>
-              <a:t>2024/2/1</a:t>
+              <a:t>2024/2/26</a:t>
             </a:fld>
             <a:endParaRPr kumimoji="1" lang="ja-JP" altLang="en-US"/>
           </a:p>
@@ -3200,7 +3205,7 @@
           <a:p>
             <a:fld id="{16A04C2B-CE5F-4C43-8666-0A319EAE7E37}" type="datetimeFigureOut">
               <a:rPr kumimoji="1" lang="ja-JP" altLang="en-US" smtClean="0"/>
-              <a:t>2024/2/1</a:t>
+              <a:t>2024/2/26</a:t>
             </a:fld>
             <a:endParaRPr kumimoji="1" lang="ja-JP" altLang="en-US"/>
           </a:p>
@@ -7211,7 +7216,7 @@
         </p:nvSpPr>
         <p:spPr>
           <a:xfrm>
-            <a:off x="1133773" y="1474068"/>
+            <a:off x="2469164" y="3201668"/>
             <a:ext cx="1452946" cy="369332"/>
           </a:xfrm>
           <a:prstGeom prst="rect">
@@ -7331,8 +7336,8 @@
         </p:nvSpPr>
         <p:spPr>
           <a:xfrm>
-            <a:off x="1101800" y="2011870"/>
-            <a:ext cx="4214813" cy="4207464"/>
+            <a:off x="1095515" y="3781108"/>
+            <a:ext cx="4214813" cy="2619690"/>
           </a:xfrm>
           <a:prstGeom prst="rect">
             <a:avLst/>
@@ -7375,7 +7380,7 @@
         </p:nvCxnSpPr>
         <p:spPr>
           <a:xfrm>
-            <a:off x="1101800" y="3069525"/>
+            <a:off x="1095515" y="4797739"/>
             <a:ext cx="4214813" cy="0"/>
           </a:xfrm>
           <a:prstGeom prst="line">
@@ -7419,7 +7424,7 @@
         </p:nvCxnSpPr>
         <p:spPr>
           <a:xfrm>
-            <a:off x="1101800" y="3829826"/>
+            <a:off x="1143490" y="5907175"/>
             <a:ext cx="4214813" cy="0"/>
           </a:xfrm>
           <a:prstGeom prst="line">
@@ -7449,50 +7454,6 @@
           </a:fontRef>
         </p:style>
       </p:cxnSp>
-      <p:cxnSp>
-        <p:nvCxnSpPr>
-          <p:cNvPr id="28" name="直線コネクタ 27">
-            <a:extLst>
-              <a:ext uri="{FF2B5EF4-FFF2-40B4-BE49-F238E27FC236}">
-                <a16:creationId xmlns:a16="http://schemas.microsoft.com/office/drawing/2014/main" id="{955BD9DD-C45A-4892-88C8-AE88E495D110}"/>
-              </a:ext>
-            </a:extLst>
-          </p:cNvPr>
-          <p:cNvCxnSpPr/>
-          <p:nvPr/>
-        </p:nvCxnSpPr>
-        <p:spPr>
-          <a:xfrm>
-            <a:off x="1119650" y="5586023"/>
-            <a:ext cx="4214813" cy="0"/>
-          </a:xfrm>
-          <a:prstGeom prst="line">
-            <a:avLst/>
-          </a:prstGeom>
-          <a:ln>
-            <a:solidFill>
-              <a:schemeClr val="tx1">
-                <a:lumMod val="95000"/>
-                <a:lumOff val="5000"/>
-              </a:schemeClr>
-            </a:solidFill>
-          </a:ln>
-        </p:spPr>
-        <p:style>
-          <a:lnRef idx="1">
-            <a:schemeClr val="accent1"/>
-          </a:lnRef>
-          <a:fillRef idx="0">
-            <a:schemeClr val="accent1"/>
-          </a:fillRef>
-          <a:effectRef idx="0">
-            <a:schemeClr val="accent1"/>
-          </a:effectRef>
-          <a:fontRef idx="minor">
-            <a:schemeClr val="tx1"/>
-          </a:fontRef>
-        </p:style>
-      </p:cxnSp>
       <p:sp>
         <p:nvSpPr>
           <p:cNvPr id="31" name="テキスト ボックス 30">
@@ -7507,7 +7468,7 @@
         </p:nvSpPr>
         <p:spPr>
           <a:xfrm>
-            <a:off x="1119651" y="2150776"/>
+            <a:off x="1113366" y="3878990"/>
             <a:ext cx="2059853" cy="261610"/>
           </a:xfrm>
           <a:prstGeom prst="rect">
@@ -7572,7 +7533,7 @@
         </p:nvSpPr>
         <p:spPr>
           <a:xfrm>
-            <a:off x="1119651" y="2420527"/>
+            <a:off x="1113366" y="4148741"/>
             <a:ext cx="1467068" cy="646331"/>
           </a:xfrm>
           <a:prstGeom prst="rect">
@@ -7622,7 +7583,7 @@
         </p:nvSpPr>
         <p:spPr>
           <a:xfrm>
-            <a:off x="1119650" y="3156613"/>
+            <a:off x="1113365" y="4884827"/>
             <a:ext cx="2059853" cy="261610"/>
           </a:xfrm>
           <a:prstGeom prst="rect">
@@ -7691,7 +7652,7 @@
         </p:nvSpPr>
         <p:spPr>
           <a:xfrm>
-            <a:off x="1171897" y="3426364"/>
+            <a:off x="1165612" y="5154578"/>
             <a:ext cx="1467068" cy="923330"/>
           </a:xfrm>
           <a:prstGeom prst="rect">
@@ -7724,10 +7685,10 @@
       </p:sp>
       <p:sp>
         <p:nvSpPr>
-          <p:cNvPr id="35" name="テキスト ボックス 34">
-            <a:extLst>
-              <a:ext uri="{FF2B5EF4-FFF2-40B4-BE49-F238E27FC236}">
-                <a16:creationId xmlns:a16="http://schemas.microsoft.com/office/drawing/2014/main" id="{1F3565D4-58DF-499B-BFE4-338ECDAD2DBC}"/>
+          <p:cNvPr id="38" name="テキスト ボックス 37">
+            <a:extLst>
+              <a:ext uri="{FF2B5EF4-FFF2-40B4-BE49-F238E27FC236}">
+                <a16:creationId xmlns:a16="http://schemas.microsoft.com/office/drawing/2014/main" id="{57780C78-54C7-4039-9443-CCBD3B4823AF}"/>
               </a:ext>
             </a:extLst>
           </p:cNvPr>
@@ -7736,8 +7697,43 @@
         </p:nvSpPr>
         <p:spPr>
           <a:xfrm>
-            <a:off x="1119651" y="4021625"/>
-            <a:ext cx="2059853" cy="261610"/>
+            <a:off x="1143490" y="5425120"/>
+            <a:ext cx="184731" cy="646331"/>
+          </a:xfrm>
+          <a:prstGeom prst="rect">
+            <a:avLst/>
+          </a:prstGeom>
+          <a:noFill/>
+        </p:spPr>
+        <p:txBody>
+          <a:bodyPr wrap="none" rtlCol="0">
+            <a:spAutoFit/>
+          </a:bodyPr>
+          <a:lstStyle/>
+          <a:p>
+            <a:endParaRPr lang="ja-JP" altLang="en-US" dirty="0"/>
+          </a:p>
+          <a:p>
+            <a:endParaRPr lang="ja-JP" altLang="en-US" dirty="0"/>
+          </a:p>
+        </p:txBody>
+      </p:sp>
+      <p:sp>
+        <p:nvSpPr>
+          <p:cNvPr id="40" name="テキスト ボックス 39">
+            <a:extLst>
+              <a:ext uri="{FF2B5EF4-FFF2-40B4-BE49-F238E27FC236}">
+                <a16:creationId xmlns:a16="http://schemas.microsoft.com/office/drawing/2014/main" id="{1AD56278-7457-494A-A3FF-DA97B93AE8B9}"/>
+              </a:ext>
+            </a:extLst>
+          </p:cNvPr>
+          <p:cNvSpPr txBox="1"/>
+          <p:nvPr/>
+        </p:nvSpPr>
+        <p:spPr>
+          <a:xfrm>
+            <a:off x="6303754" y="737583"/>
+            <a:ext cx="5626062" cy="2031325"/>
           </a:xfrm>
           <a:prstGeom prst="rect">
             <a:avLst/>
@@ -7751,183 +7747,6 @@
           <a:lstStyle/>
           <a:p>
             <a:r>
-              <a:rPr kumimoji="1" lang="ja-JP" altLang="en-US" sz="1100" dirty="0"/>
-              <a:t>ユーザー名</a:t>
-            </a:r>
-            <a:r>
-              <a:rPr lang="en-US" altLang="ja-JP" sz="1100" dirty="0"/>
-              <a:t>1</a:t>
-            </a:r>
-            <a:r>
-              <a:rPr kumimoji="1" lang="ja-JP" altLang="en-US" sz="1100" dirty="0">
-                <a:solidFill>
-                  <a:schemeClr val="tx1">
-                    <a:lumMod val="85000"/>
-                    <a:lumOff val="15000"/>
-                  </a:schemeClr>
-                </a:solidFill>
-              </a:rPr>
-              <a:t> </a:t>
-            </a:r>
-            <a:r>
-              <a:rPr kumimoji="1" lang="en-US" altLang="ja-JP" sz="1100" dirty="0">
-                <a:solidFill>
-                  <a:schemeClr val="tx1">
-                    <a:lumMod val="85000"/>
-                    <a:lumOff val="15000"/>
-                  </a:schemeClr>
-                </a:solidFill>
-              </a:rPr>
-              <a:t>userId00001</a:t>
-            </a:r>
-            <a:endParaRPr kumimoji="1" lang="ja-JP" altLang="en-US" sz="1100" dirty="0">
-              <a:solidFill>
-                <a:schemeClr val="tx1">
-                  <a:lumMod val="85000"/>
-                  <a:lumOff val="15000"/>
-                </a:schemeClr>
-              </a:solidFill>
-            </a:endParaRPr>
-          </a:p>
-        </p:txBody>
-      </p:sp>
-      <p:sp>
-        <p:nvSpPr>
-          <p:cNvPr id="36" name="テキスト ボックス 35">
-            <a:extLst>
-              <a:ext uri="{FF2B5EF4-FFF2-40B4-BE49-F238E27FC236}">
-                <a16:creationId xmlns:a16="http://schemas.microsoft.com/office/drawing/2014/main" id="{52E0946E-92CC-4322-AF75-750E9A592302}"/>
-              </a:ext>
-            </a:extLst>
-          </p:cNvPr>
-          <p:cNvSpPr txBox="1"/>
-          <p:nvPr/>
-        </p:nvSpPr>
-        <p:spPr>
-          <a:xfrm>
-            <a:off x="1119651" y="4291376"/>
-            <a:ext cx="1467068" cy="1477328"/>
-          </a:xfrm>
-          <a:prstGeom prst="rect">
-            <a:avLst/>
-          </a:prstGeom>
-          <a:noFill/>
-        </p:spPr>
-        <p:txBody>
-          <a:bodyPr wrap="none" rtlCol="0">
-            <a:spAutoFit/>
-          </a:bodyPr>
-          <a:lstStyle/>
-          <a:p>
-            <a:r>
-              <a:rPr lang="ja-JP" altLang="en-US" dirty="0"/>
-              <a:t>ポスト本文</a:t>
-            </a:r>
-            <a:r>
-              <a:rPr lang="en-US" altLang="ja-JP" dirty="0"/>
-              <a:t>3</a:t>
-            </a:r>
-          </a:p>
-          <a:p>
-            <a:r>
-              <a:rPr lang="ja-JP" altLang="en-US" dirty="0"/>
-              <a:t>ポスト本文</a:t>
-            </a:r>
-            <a:r>
-              <a:rPr lang="en-US" altLang="ja-JP" dirty="0"/>
-              <a:t>3</a:t>
-            </a:r>
-          </a:p>
-          <a:p>
-            <a:r>
-              <a:rPr lang="ja-JP" altLang="en-US" dirty="0"/>
-              <a:t>ポスト本文</a:t>
-            </a:r>
-            <a:r>
-              <a:rPr lang="en-US" altLang="ja-JP" dirty="0"/>
-              <a:t>3</a:t>
-            </a:r>
-          </a:p>
-          <a:p>
-            <a:r>
-              <a:rPr lang="ja-JP" altLang="en-US" dirty="0"/>
-              <a:t>ポスト本文</a:t>
-            </a:r>
-            <a:r>
-              <a:rPr lang="en-US" altLang="ja-JP" dirty="0"/>
-              <a:t>3</a:t>
-            </a:r>
-            <a:endParaRPr lang="ja-JP" altLang="en-US" dirty="0"/>
-          </a:p>
-          <a:p>
-            <a:endParaRPr lang="ja-JP" altLang="en-US" dirty="0"/>
-          </a:p>
-        </p:txBody>
-      </p:sp>
-      <p:sp>
-        <p:nvSpPr>
-          <p:cNvPr id="38" name="テキスト ボックス 37">
-            <a:extLst>
-              <a:ext uri="{FF2B5EF4-FFF2-40B4-BE49-F238E27FC236}">
-                <a16:creationId xmlns:a16="http://schemas.microsoft.com/office/drawing/2014/main" id="{57780C78-54C7-4039-9443-CCBD3B4823AF}"/>
-              </a:ext>
-            </a:extLst>
-          </p:cNvPr>
-          <p:cNvSpPr txBox="1"/>
-          <p:nvPr/>
-        </p:nvSpPr>
-        <p:spPr>
-          <a:xfrm>
-            <a:off x="1143490" y="5425120"/>
-            <a:ext cx="184731" cy="646331"/>
-          </a:xfrm>
-          <a:prstGeom prst="rect">
-            <a:avLst/>
-          </a:prstGeom>
-          <a:noFill/>
-        </p:spPr>
-        <p:txBody>
-          <a:bodyPr wrap="none" rtlCol="0">
-            <a:spAutoFit/>
-          </a:bodyPr>
-          <a:lstStyle/>
-          <a:p>
-            <a:endParaRPr lang="ja-JP" altLang="en-US" dirty="0"/>
-          </a:p>
-          <a:p>
-            <a:endParaRPr lang="ja-JP" altLang="en-US" dirty="0"/>
-          </a:p>
-        </p:txBody>
-      </p:sp>
-      <p:sp>
-        <p:nvSpPr>
-          <p:cNvPr id="40" name="テキスト ボックス 39">
-            <a:extLst>
-              <a:ext uri="{FF2B5EF4-FFF2-40B4-BE49-F238E27FC236}">
-                <a16:creationId xmlns:a16="http://schemas.microsoft.com/office/drawing/2014/main" id="{1AD56278-7457-494A-A3FF-DA97B93AE8B9}"/>
-              </a:ext>
-            </a:extLst>
-          </p:cNvPr>
-          <p:cNvSpPr txBox="1"/>
-          <p:nvPr/>
-        </p:nvSpPr>
-        <p:spPr>
-          <a:xfrm>
-            <a:off x="6303754" y="737583"/>
-            <a:ext cx="5626062" cy="2031325"/>
-          </a:xfrm>
-          <a:prstGeom prst="rect">
-            <a:avLst/>
-          </a:prstGeom>
-          <a:noFill/>
-        </p:spPr>
-        <p:txBody>
-          <a:bodyPr wrap="square" rtlCol="0">
-            <a:spAutoFit/>
-          </a:bodyPr>
-          <a:lstStyle/>
-          <a:p>
-            <a:r>
               <a:rPr kumimoji="1" lang="en-US" altLang="ja-JP" dirty="0"/>
               <a:t>[</a:t>
             </a:r>
@@ -7989,7 +7808,7 @@
         </p:nvSpPr>
         <p:spPr>
           <a:xfrm>
-            <a:off x="4925778" y="2059273"/>
+            <a:off x="4919493" y="3787487"/>
             <a:ext cx="338082" cy="320747"/>
           </a:xfrm>
           <a:prstGeom prst="mathMultiply">
@@ -8038,7 +7857,7 @@
         </p:nvSpPr>
         <p:spPr>
           <a:xfrm>
-            <a:off x="4925778" y="3152241"/>
+            <a:off x="4919493" y="4880455"/>
             <a:ext cx="338082" cy="320747"/>
           </a:xfrm>
           <a:prstGeom prst="mathMultiply">
@@ -8075,10 +7894,10 @@
       </p:sp>
       <p:sp>
         <p:nvSpPr>
-          <p:cNvPr id="26" name="乗算記号 25">
-            <a:extLst>
-              <a:ext uri="{FF2B5EF4-FFF2-40B4-BE49-F238E27FC236}">
-                <a16:creationId xmlns:a16="http://schemas.microsoft.com/office/drawing/2014/main" id="{F4BE2A51-0C11-4B05-8D9E-513CD89145E0}"/>
+          <p:cNvPr id="30" name="楕円 29">
+            <a:extLst>
+              <a:ext uri="{FF2B5EF4-FFF2-40B4-BE49-F238E27FC236}">
+                <a16:creationId xmlns:a16="http://schemas.microsoft.com/office/drawing/2014/main" id="{E6B2BB4F-066E-497A-B5E8-9288BFD96F1D}"/>
               </a:ext>
             </a:extLst>
           </p:cNvPr>
@@ -8087,56 +7906,7 @@
         </p:nvSpPr>
         <p:spPr>
           <a:xfrm>
-            <a:off x="4925778" y="3985108"/>
-            <a:ext cx="338082" cy="320747"/>
-          </a:xfrm>
-          <a:prstGeom prst="mathMultiply">
-            <a:avLst/>
-          </a:prstGeom>
-          <a:solidFill>
-            <a:schemeClr val="tx1"/>
-          </a:solidFill>
-        </p:spPr>
-        <p:style>
-          <a:lnRef idx="2">
-            <a:schemeClr val="accent1">
-              <a:shade val="50000"/>
-            </a:schemeClr>
-          </a:lnRef>
-          <a:fillRef idx="1">
-            <a:schemeClr val="accent1"/>
-          </a:fillRef>
-          <a:effectRef idx="0">
-            <a:schemeClr val="accent1"/>
-          </a:effectRef>
-          <a:fontRef idx="minor">
-            <a:schemeClr val="lt1"/>
-          </a:fontRef>
-        </p:style>
-        <p:txBody>
-          <a:bodyPr rtlCol="0" anchor="ctr"/>
-          <a:lstStyle/>
-          <a:p>
-            <a:pPr algn="ctr"/>
-            <a:endParaRPr kumimoji="1" lang="ja-JP" altLang="en-US"/>
-          </a:p>
-        </p:txBody>
-      </p:sp>
-      <p:sp>
-        <p:nvSpPr>
-          <p:cNvPr id="30" name="楕円 29">
-            <a:extLst>
-              <a:ext uri="{FF2B5EF4-FFF2-40B4-BE49-F238E27FC236}">
-                <a16:creationId xmlns:a16="http://schemas.microsoft.com/office/drawing/2014/main" id="{E6B2BB4F-066E-497A-B5E8-9288BFD96F1D}"/>
-              </a:ext>
-            </a:extLst>
-          </p:cNvPr>
-          <p:cNvSpPr/>
-          <p:nvPr/>
-        </p:nvSpPr>
-        <p:spPr>
-          <a:xfrm>
-            <a:off x="2412956" y="1561240"/>
+            <a:off x="3951328" y="3195027"/>
             <a:ext cx="441959" cy="369332"/>
           </a:xfrm>
           <a:prstGeom prst="ellipse">
@@ -8278,7 +8048,7 @@
         </p:nvSpPr>
         <p:spPr>
           <a:xfrm>
-            <a:off x="5029655" y="2266695"/>
+            <a:off x="5023370" y="3994909"/>
             <a:ext cx="441959" cy="369332"/>
           </a:xfrm>
           <a:prstGeom prst="ellipse">
@@ -8523,6 +8293,53 @@
               <a:t>　　ポスト削除画面への遷移</a:t>
             </a:r>
             <a:endParaRPr kumimoji="1" lang="en-US" altLang="ja-JP" dirty="0"/>
+          </a:p>
+        </p:txBody>
+      </p:sp>
+      <p:sp>
+        <p:nvSpPr>
+          <p:cNvPr id="10" name="正方形/長方形 9">
+            <a:extLst>
+              <a:ext uri="{FF2B5EF4-FFF2-40B4-BE49-F238E27FC236}">
+                <a16:creationId xmlns:a16="http://schemas.microsoft.com/office/drawing/2014/main" id="{DA4EFD77-085A-4AE4-91F9-D2A1950EFBE3}"/>
+              </a:ext>
+            </a:extLst>
+          </p:cNvPr>
+          <p:cNvSpPr/>
+          <p:nvPr/>
+        </p:nvSpPr>
+        <p:spPr>
+          <a:xfrm>
+            <a:off x="1124361" y="1656798"/>
+            <a:ext cx="4185967" cy="1266187"/>
+          </a:xfrm>
+          <a:prstGeom prst="rect">
+            <a:avLst/>
+          </a:prstGeom>
+        </p:spPr>
+        <p:style>
+          <a:lnRef idx="2">
+            <a:schemeClr val="dk1"/>
+          </a:lnRef>
+          <a:fillRef idx="1">
+            <a:schemeClr val="lt1"/>
+          </a:fillRef>
+          <a:effectRef idx="0">
+            <a:schemeClr val="dk1"/>
+          </a:effectRef>
+          <a:fontRef idx="minor">
+            <a:schemeClr val="dk1"/>
+          </a:fontRef>
+        </p:style>
+        <p:txBody>
+          <a:bodyPr rtlCol="0" anchor="ctr"/>
+          <a:lstStyle/>
+          <a:p>
+            <a:pPr algn="ctr"/>
+            <a:r>
+              <a:rPr kumimoji="1" lang="ja-JP" altLang="en-US" dirty="0"/>
+              <a:t>プロフィール</a:t>
+            </a:r>
           </a:p>
         </p:txBody>
       </p:sp>
@@ -8735,7 +8552,7 @@
         <p:spPr>
           <a:xfrm>
             <a:off x="6303754" y="3336695"/>
-            <a:ext cx="5626062" cy="369332"/>
+            <a:ext cx="5626062" cy="646331"/>
           </a:xfrm>
           <a:prstGeom prst="rect">
             <a:avLst/>
@@ -8750,15 +8567,14 @@
           <a:p>
             <a:r>
               <a:rPr lang="ja-JP" altLang="en-US" dirty="0"/>
-              <a:t>　　</a:t>
-            </a:r>
-            <a:r>
-              <a:rPr lang="en-US" altLang="ja-JP" dirty="0"/>
-              <a:t>YES</a:t>
-            </a:r>
-            <a:r>
-              <a:rPr lang="ja-JP" altLang="en-US" dirty="0"/>
-              <a:t>押下で、該当ポストを削除する</a:t>
+              <a:t>　　“つぶやく“押下で本文を投稿。</a:t>
+            </a:r>
+            <a:endParaRPr lang="en-US" altLang="ja-JP" dirty="0"/>
+          </a:p>
+          <a:p>
+            <a:r>
+              <a:rPr kumimoji="1" lang="ja-JP" altLang="en-US" dirty="0"/>
+              <a:t>　　その後、ポップアップ全体を削除。</a:t>
             </a:r>
             <a:endParaRPr kumimoji="1" lang="en-US" altLang="ja-JP" dirty="0"/>
           </a:p>
@@ -9361,7 +9177,7 @@
         <p:spPr>
           <a:xfrm>
             <a:off x="6303754" y="737583"/>
-            <a:ext cx="5626062" cy="1477328"/>
+            <a:ext cx="5626062" cy="923330"/>
           </a:xfrm>
           <a:prstGeom prst="rect">
             <a:avLst/>
@@ -9388,20 +9204,12 @@
             </a:r>
           </a:p>
           <a:p>
-            <a:endParaRPr kumimoji="1" lang="en-US" altLang="ja-JP" dirty="0"/>
-          </a:p>
-          <a:p>
-            <a:r>
-              <a:rPr lang="ja-JP" altLang="en-US" dirty="0"/>
-              <a:t>該当ポストを削除するか否かのポップアップを表示する。</a:t>
-            </a:r>
-            <a:r>
-              <a:rPr lang="en-US" altLang="ja-JP" dirty="0"/>
-              <a:t>YES</a:t>
-            </a:r>
-            <a:r>
-              <a:rPr lang="ja-JP" altLang="en-US" dirty="0"/>
-              <a:t>ボタンを押下したら、削除完了の旨のアラートを表示する。</a:t>
+            <a:endParaRPr lang="en-US" altLang="ja-JP" dirty="0"/>
+          </a:p>
+          <a:p>
+            <a:r>
+              <a:rPr kumimoji="1" lang="ja-JP" altLang="en-US" dirty="0"/>
+              <a:t>本文を入力できるテキストボックスを表示。</a:t>
             </a:r>
             <a:endParaRPr kumimoji="1" lang="en-US" altLang="ja-JP" dirty="0"/>
           </a:p>
@@ -9754,7 +9562,7 @@
         </p:nvSpPr>
         <p:spPr>
           <a:xfrm>
-            <a:off x="6306846" y="3264207"/>
+            <a:off x="6306846" y="3360627"/>
             <a:ext cx="471948" cy="427799"/>
           </a:xfrm>
           <a:prstGeom prst="ellipse">
@@ -9802,7 +9610,7 @@
         </p:nvSpPr>
         <p:spPr>
           <a:xfrm>
-            <a:off x="6306846" y="3921895"/>
+            <a:off x="6306846" y="4021625"/>
             <a:ext cx="471948" cy="427799"/>
           </a:xfrm>
           <a:prstGeom prst="ellipse">
@@ -9869,95 +9677,15 @@
             </a:r>
             <a:r>
               <a:rPr lang="en-US" altLang="ja-JP" dirty="0"/>
-              <a:t>NO</a:t>
+              <a:t>×</a:t>
             </a:r>
             <a:r>
               <a:rPr lang="ja-JP" altLang="en-US" dirty="0"/>
-              <a:t>押下でポップアップを消して、プロフィール画面を表示する。</a:t>
-            </a:r>
-            <a:endParaRPr kumimoji="1" lang="en-US" altLang="ja-JP" dirty="0"/>
-          </a:p>
-        </p:txBody>
-      </p:sp>
-      <p:sp>
-        <p:nvSpPr>
-          <p:cNvPr id="53" name="楕円 52">
-            <a:extLst>
-              <a:ext uri="{FF2B5EF4-FFF2-40B4-BE49-F238E27FC236}">
-                <a16:creationId xmlns:a16="http://schemas.microsoft.com/office/drawing/2014/main" id="{46EF9E71-FA94-43BA-A5F8-85C2A89FC382}"/>
-              </a:ext>
-            </a:extLst>
-          </p:cNvPr>
-          <p:cNvSpPr/>
-          <p:nvPr/>
-        </p:nvSpPr>
-        <p:spPr>
-          <a:xfrm>
-            <a:off x="6308239" y="4891989"/>
-            <a:ext cx="471948" cy="427799"/>
-          </a:xfrm>
-          <a:prstGeom prst="ellipse">
-            <a:avLst/>
-          </a:prstGeom>
-        </p:spPr>
-        <p:style>
-          <a:lnRef idx="3">
-            <a:schemeClr val="lt1"/>
-          </a:lnRef>
-          <a:fillRef idx="1">
-            <a:schemeClr val="accent2"/>
-          </a:fillRef>
-          <a:effectRef idx="1">
-            <a:schemeClr val="accent2"/>
-          </a:effectRef>
-          <a:fontRef idx="minor">
-            <a:schemeClr val="lt1"/>
-          </a:fontRef>
-        </p:style>
-        <p:txBody>
-          <a:bodyPr rtlCol="0" anchor="ctr"/>
-          <a:lstStyle/>
-          <a:p>
-            <a:pPr algn="ctr"/>
-            <a:r>
-              <a:rPr lang="en-US" altLang="ja-JP" dirty="0"/>
-              <a:t>C</a:t>
-            </a:r>
-          </a:p>
-        </p:txBody>
-      </p:sp>
-      <p:sp>
-        <p:nvSpPr>
-          <p:cNvPr id="55" name="テキスト ボックス 54">
-            <a:extLst>
-              <a:ext uri="{FF2B5EF4-FFF2-40B4-BE49-F238E27FC236}">
-                <a16:creationId xmlns:a16="http://schemas.microsoft.com/office/drawing/2014/main" id="{67FC28CF-690C-4348-BD07-BE28E4F5FF70}"/>
-              </a:ext>
-            </a:extLst>
-          </p:cNvPr>
-          <p:cNvSpPr txBox="1"/>
-          <p:nvPr/>
-        </p:nvSpPr>
-        <p:spPr>
-          <a:xfrm>
-            <a:off x="6310566" y="5031350"/>
-            <a:ext cx="5626062" cy="369332"/>
-          </a:xfrm>
-          <a:prstGeom prst="rect">
-            <a:avLst/>
-          </a:prstGeom>
-          <a:noFill/>
-        </p:spPr>
-        <p:txBody>
-          <a:bodyPr wrap="square" rtlCol="0">
-            <a:spAutoFit/>
-          </a:bodyPr>
-          <a:lstStyle/>
-          <a:p>
-            <a:r>
-              <a:rPr lang="ja-JP" altLang="en-US" dirty="0"/>
-              <a:t>　　アラート表示後、プロフィール画面を表示。</a:t>
-            </a:r>
+              <a:t>押下でポップアップを削除。</a:t>
+            </a:r>
+            <a:endParaRPr lang="en-US" altLang="ja-JP" dirty="0"/>
+          </a:p>
+          <a:p>
             <a:endParaRPr kumimoji="1" lang="en-US" altLang="ja-JP" dirty="0"/>
           </a:p>
         </p:txBody>
@@ -10100,6 +9828,53 @@
               <a:t>ID</a:t>
             </a:r>
             <a:endParaRPr kumimoji="1" lang="en-US" altLang="ja-JP" dirty="0"/>
+          </a:p>
+        </p:txBody>
+      </p:sp>
+      <p:sp>
+        <p:nvSpPr>
+          <p:cNvPr id="37" name="楕円 36">
+            <a:extLst>
+              <a:ext uri="{FF2B5EF4-FFF2-40B4-BE49-F238E27FC236}">
+                <a16:creationId xmlns:a16="http://schemas.microsoft.com/office/drawing/2014/main" id="{82FC0C01-9E40-4154-92B9-83A411B5057E}"/>
+              </a:ext>
+            </a:extLst>
+          </p:cNvPr>
+          <p:cNvSpPr/>
+          <p:nvPr/>
+        </p:nvSpPr>
+        <p:spPr>
+          <a:xfrm>
+            <a:off x="4631177" y="1291590"/>
+            <a:ext cx="471948" cy="427799"/>
+          </a:xfrm>
+          <a:prstGeom prst="ellipse">
+            <a:avLst/>
+          </a:prstGeom>
+        </p:spPr>
+        <p:style>
+          <a:lnRef idx="3">
+            <a:schemeClr val="lt1"/>
+          </a:lnRef>
+          <a:fillRef idx="1">
+            <a:schemeClr val="accent2"/>
+          </a:fillRef>
+          <a:effectRef idx="1">
+            <a:schemeClr val="accent2"/>
+          </a:effectRef>
+          <a:fontRef idx="minor">
+            <a:schemeClr val="lt1"/>
+          </a:fontRef>
+        </p:style>
+        <p:txBody>
+          <a:bodyPr rtlCol="0" anchor="ctr"/>
+          <a:lstStyle/>
+          <a:p>
+            <a:pPr algn="ctr"/>
+            <a:r>
+              <a:rPr lang="en-US" altLang="ja-JP" dirty="0"/>
+              <a:t>B</a:t>
+            </a:r>
           </a:p>
         </p:txBody>
       </p:sp>
